--- a/sprints/Sprint 1 - Oct 3-28.pptx
+++ b/sprints/Sprint 1 - Oct 3-28.pptx
@@ -209,7 +209,7 @@
           <a:p>
             <a:fld id="{68B00D8E-BD79-47BE-AA74-0D4716B611F1}" type="datetimeFigureOut">
               <a:rPr lang="en-US" smtClean="0"/>
-              <a:t>10/27/2016</a:t>
+              <a:t>10/29/2016</a:t>
             </a:fld>
             <a:endParaRPr lang="en-US"/>
           </a:p>
@@ -566,7 +566,7 @@
             <a:fld id="{81331B57-0BE5-4F82-AA58-76F53EFF3ADA}" type="datetime8">
               <a:rPr lang="en-US" smtClean="0"/>
               <a:pPr/>
-              <a:t>10/27/2016 1:23 PM</a:t>
+              <a:t>10/29/2016 9:42 AM</a:t>
             </a:fld>
             <a:endParaRPr lang="en-US" dirty="0"/>
           </a:p>
@@ -761,7 +761,7 @@
             <a:fld id="{81331B57-0BE5-4F82-AA58-76F53EFF3ADA}" type="datetime8">
               <a:rPr lang="en-US" smtClean="0"/>
               <a:pPr/>
-              <a:t>10/27/2016 1:23 PM</a:t>
+              <a:t>10/29/2016 9:42 AM</a:t>
             </a:fld>
             <a:endParaRPr lang="en-US"/>
           </a:p>
@@ -946,7 +946,7 @@
             <a:fld id="{81331B57-0BE5-4F82-AA58-76F53EFF3ADA}" type="datetime8">
               <a:rPr lang="en-US" smtClean="0"/>
               <a:pPr/>
-              <a:t>10/27/2016 1:24 PM</a:t>
+              <a:t>10/29/2016 9:42 AM</a:t>
             </a:fld>
             <a:endParaRPr lang="en-US"/>
           </a:p>
@@ -1131,7 +1131,7 @@
             <a:fld id="{81331B57-0BE5-4F82-AA58-76F53EFF3ADA}" type="datetime8">
               <a:rPr lang="en-US" smtClean="0"/>
               <a:pPr/>
-              <a:t>10/27/2016 1:23 PM</a:t>
+              <a:t>10/29/2016 9:42 AM</a:t>
             </a:fld>
             <a:endParaRPr lang="en-US"/>
           </a:p>
@@ -1316,7 +1316,7 @@
             <a:fld id="{81331B57-0BE5-4F82-AA58-76F53EFF3ADA}" type="datetime8">
               <a:rPr lang="en-US" smtClean="0"/>
               <a:pPr/>
-              <a:t>10/27/2016 1:23 PM</a:t>
+              <a:t>10/29/2016 9:42 AM</a:t>
             </a:fld>
             <a:endParaRPr lang="en-US"/>
           </a:p>
@@ -1501,7 +1501,7 @@
             <a:fld id="{81331B57-0BE5-4F82-AA58-76F53EFF3ADA}" type="datetime8">
               <a:rPr lang="en-US" smtClean="0"/>
               <a:pPr/>
-              <a:t>10/27/2016 1:23 PM</a:t>
+              <a:t>10/29/2016 9:42 AM</a:t>
             </a:fld>
             <a:endParaRPr lang="en-US"/>
           </a:p>
@@ -1686,7 +1686,7 @@
             <a:fld id="{81331B57-0BE5-4F82-AA58-76F53EFF3ADA}" type="datetime8">
               <a:rPr lang="en-US" smtClean="0"/>
               <a:pPr/>
-              <a:t>10/27/2016 2:06 PM</a:t>
+              <a:t>10/29/2016 9:42 AM</a:t>
             </a:fld>
             <a:endParaRPr lang="en-US"/>
           </a:p>
@@ -1871,7 +1871,7 @@
             <a:fld id="{81331B57-0BE5-4F82-AA58-76F53EFF3ADA}" type="datetime8">
               <a:rPr lang="en-US" smtClean="0"/>
               <a:pPr/>
-              <a:t>10/27/2016 1:31 PM</a:t>
+              <a:t>10/29/2016 9:42 AM</a:t>
             </a:fld>
             <a:endParaRPr lang="en-US"/>
           </a:p>
@@ -2056,7 +2056,7 @@
             <a:fld id="{81331B57-0BE5-4F82-AA58-76F53EFF3ADA}" type="datetime8">
               <a:rPr lang="en-US" smtClean="0"/>
               <a:pPr/>
-              <a:t>10/27/2016 2:11 PM</a:t>
+              <a:t>10/29/2016 9:42 AM</a:t>
             </a:fld>
             <a:endParaRPr lang="en-US"/>
           </a:p>
@@ -2241,7 +2241,7 @@
             <a:fld id="{81331B57-0BE5-4F82-AA58-76F53EFF3ADA}" type="datetime8">
               <a:rPr lang="en-US" smtClean="0"/>
               <a:pPr/>
-              <a:t>10/27/2016 1:23 PM</a:t>
+              <a:t>10/29/2016 9:42 AM</a:t>
             </a:fld>
             <a:endParaRPr lang="en-US"/>
           </a:p>
@@ -2426,7 +2426,7 @@
             <a:fld id="{81331B57-0BE5-4F82-AA58-76F53EFF3ADA}" type="datetime8">
               <a:rPr lang="en-US" smtClean="0"/>
               <a:pPr/>
-              <a:t>10/27/2016 1:23 PM</a:t>
+              <a:t>10/29/2016 9:42 AM</a:t>
             </a:fld>
             <a:endParaRPr lang="en-US"/>
           </a:p>
@@ -2611,7 +2611,7 @@
             <a:fld id="{81331B57-0BE5-4F82-AA58-76F53EFF3ADA}" type="datetime8">
               <a:rPr lang="en-US" smtClean="0"/>
               <a:pPr/>
-              <a:t>10/27/2016 1:23 PM</a:t>
+              <a:t>10/29/2016 9:42 AM</a:t>
             </a:fld>
             <a:endParaRPr lang="en-US"/>
           </a:p>
@@ -2796,7 +2796,7 @@
             <a:fld id="{81331B57-0BE5-4F82-AA58-76F53EFF3ADA}" type="datetime8">
               <a:rPr lang="en-US" smtClean="0"/>
               <a:pPr/>
-              <a:t>10/27/2016 1:23 PM</a:t>
+              <a:t>10/29/2016 9:42 AM</a:t>
             </a:fld>
             <a:endParaRPr lang="en-US"/>
           </a:p>
@@ -2981,7 +2981,7 @@
             <a:fld id="{81331B57-0BE5-4F82-AA58-76F53EFF3ADA}" type="datetime8">
               <a:rPr lang="en-US" smtClean="0"/>
               <a:pPr/>
-              <a:t>10/27/2016 1:23 PM</a:t>
+              <a:t>10/29/2016 9:42 AM</a:t>
             </a:fld>
             <a:endParaRPr lang="en-US"/>
           </a:p>
@@ -3166,7 +3166,7 @@
             <a:fld id="{81331B57-0BE5-4F82-AA58-76F53EFF3ADA}" type="datetime8">
               <a:rPr lang="en-US" smtClean="0"/>
               <a:pPr/>
-              <a:t>10/27/2016 1:23 PM</a:t>
+              <a:t>10/29/2016 9:42 AM</a:t>
             </a:fld>
             <a:endParaRPr lang="en-US"/>
           </a:p>
@@ -3351,7 +3351,7 @@
             <a:fld id="{81331B57-0BE5-4F82-AA58-76F53EFF3ADA}" type="datetime8">
               <a:rPr lang="en-US" smtClean="0"/>
               <a:pPr/>
-              <a:t>10/27/2016 1:23 PM</a:t>
+              <a:t>10/29/2016 9:42 AM</a:t>
             </a:fld>
             <a:endParaRPr lang="en-US"/>
           </a:p>
@@ -3536,7 +3536,7 @@
             <a:fld id="{81331B57-0BE5-4F82-AA58-76F53EFF3ADA}" type="datetime8">
               <a:rPr lang="en-US" smtClean="0"/>
               <a:pPr/>
-              <a:t>10/27/2016 1:23 PM</a:t>
+              <a:t>10/29/2016 9:42 AM</a:t>
             </a:fld>
             <a:endParaRPr lang="en-US"/>
           </a:p>
@@ -7359,11 +7359,7 @@
           <a:p>
             <a:r>
               <a:rPr lang="en-US" dirty="0" smtClean="0"/>
-              <a:t>Demonstrable Code – </a:t>
-            </a:r>
-            <a:r>
-              <a:rPr lang="en-US" dirty="0" smtClean="0"/>
-              <a:t>Data</a:t>
+              <a:t>Demonstrable Code – Data</a:t>
             </a:r>
             <a:endParaRPr lang="en-US" dirty="0"/>
           </a:p>
@@ -7456,7 +7452,6 @@
               <a:rPr lang="en-US" dirty="0" smtClean="0"/>
               <a:t>Handles conversions and operations</a:t>
             </a:r>
-            <a:endParaRPr lang="en-US" dirty="0" smtClean="0"/>
           </a:p>
         </p:txBody>
       </p:sp>
@@ -9002,11 +8997,7 @@
           <a:p>
             <a:r>
               <a:rPr lang="en-US" dirty="0" smtClean="0"/>
-              <a:t>Demonstrable Code – </a:t>
-            </a:r>
-            <a:r>
-              <a:rPr lang="en-US" dirty="0" smtClean="0"/>
-              <a:t>Parse Input</a:t>
+              <a:t>Demonstrable Code – Parse Input</a:t>
             </a:r>
             <a:endParaRPr lang="en-US" dirty="0"/>
           </a:p>
@@ -9089,7 +9080,6 @@
               <a:rPr lang="en-US" dirty="0" smtClean="0"/>
               <a:t>Derived Class per input format and implemented the parse function (interface)</a:t>
             </a:r>
-            <a:endParaRPr lang="en-US" dirty="0" smtClean="0"/>
           </a:p>
         </p:txBody>
       </p:sp>
@@ -9233,7 +9223,6 @@
               <a:rPr lang="en-US" dirty="0" smtClean="0"/>
               <a:t>Run all accumulated tests (Regression Suite)</a:t>
             </a:r>
-            <a:endParaRPr lang="en-US" dirty="0" smtClean="0"/>
           </a:p>
         </p:txBody>
       </p:sp>
@@ -9335,7 +9324,15 @@
             </a:r>
             <a:r>
               <a:rPr lang="en-US" sz="2400" dirty="0" smtClean="0"/>
-              <a:t>, clustering)</a:t>
+              <a:t>, </a:t>
+            </a:r>
+            <a:r>
+              <a:rPr lang="en-US" sz="2400" dirty="0" smtClean="0"/>
+              <a:t>clustering</a:t>
+            </a:r>
+            <a:r>
+              <a:rPr lang="en-US" sz="2400" smtClean="0"/>
+              <a:t>, parsing)</a:t>
             </a:r>
             <a:endParaRPr lang="en-US" sz="2400" dirty="0"/>
           </a:p>
@@ -10149,8 +10146,13 @@
             <a:pPr lvl="1"/>
             <a:r>
               <a:rPr lang="en-US" dirty="0" smtClean="0"/>
-              <a:t>Implement Common Implementation</a:t>
-            </a:r>
+              <a:t>Implement Common </a:t>
+            </a:r>
+            <a:r>
+              <a:rPr lang="en-US" dirty="0" smtClean="0"/>
+              <a:t>Methods</a:t>
+            </a:r>
+            <a:endParaRPr lang="en-US" dirty="0" smtClean="0"/>
           </a:p>
           <a:p>
             <a:pPr lvl="2"/>
@@ -10281,8 +10283,11 @@
         <p:spPr>
           <a:xfrm>
             <a:off x="381000" y="1143000"/>
-            <a:ext cx="8382000" cy="4998291"/>
+            <a:ext cx="8382000" cy="5041380"/>
           </a:xfrm>
+          <a:solidFill>
+            <a:srgbClr val="002060"/>
+          </a:solidFill>
         </p:spPr>
         <p:txBody>
           <a:bodyPr/>
@@ -10291,34 +10296,252 @@
             <a:pPr marL="0" indent="0">
               <a:buNone/>
             </a:pPr>
-            <a:r>
-              <a:rPr lang="en-US" sz="1600" dirty="0" smtClean="0"/>
+            <a:endParaRPr lang="en-US" sz="1400" dirty="0">
+              <a:latin typeface="Courier New" panose="02070309020205020404" pitchFamily="49" charset="0"/>
+              <a:cs typeface="Courier New" panose="02070309020205020404" pitchFamily="49" charset="0"/>
+            </a:endParaRPr>
+          </a:p>
+          <a:p>
+            <a:pPr marL="0" indent="0">
+              <a:buNone/>
+            </a:pPr>
+            <a:r>
+              <a:rPr lang="en-US" sz="1400" dirty="0" smtClean="0">
+                <a:latin typeface="Courier New" panose="02070309020205020404" pitchFamily="49" charset="0"/>
+                <a:cs typeface="Courier New" panose="02070309020205020404" pitchFamily="49" charset="0"/>
+              </a:rPr>
+              <a:t>/</a:t>
+            </a:r>
+            <a:r>
+              <a:rPr lang="en-US" sz="1400" dirty="0" smtClean="0">
+                <a:latin typeface="Courier New" panose="02070309020205020404" pitchFamily="49" charset="0"/>
+                <a:cs typeface="Courier New" panose="02070309020205020404" pitchFamily="49" charset="0"/>
+              </a:rPr>
+              <a:t>/ </a:t>
+            </a:r>
+            <a:r>
+              <a:rPr lang="en-US" sz="1400" dirty="0">
+                <a:latin typeface="Courier New" panose="02070309020205020404" pitchFamily="49" charset="0"/>
+                <a:cs typeface="Courier New" panose="02070309020205020404" pitchFamily="49" charset="0"/>
+              </a:rPr>
+              <a:t>Method for inserting into </a:t>
+            </a:r>
+            <a:r>
+              <a:rPr lang="en-US" sz="1400" dirty="0" err="1">
+                <a:latin typeface="Courier New" panose="02070309020205020404" pitchFamily="49" charset="0"/>
+                <a:cs typeface="Courier New" panose="02070309020205020404" pitchFamily="49" charset="0"/>
+              </a:rPr>
+              <a:t>datastore</a:t>
+            </a:r>
+            <a:endParaRPr lang="en-US" sz="1400" dirty="0">
+              <a:latin typeface="Courier New" panose="02070309020205020404" pitchFamily="49" charset="0"/>
+              <a:cs typeface="Courier New" panose="02070309020205020404" pitchFamily="49" charset="0"/>
+            </a:endParaRPr>
+          </a:p>
+          <a:p>
+            <a:pPr marL="0" indent="0">
+              <a:buNone/>
+            </a:pPr>
+            <a:r>
+              <a:rPr lang="en-US" sz="1400" dirty="0" smtClean="0">
+                <a:latin typeface="Courier New" panose="02070309020205020404" pitchFamily="49" charset="0"/>
+                <a:cs typeface="Courier New" panose="02070309020205020404" pitchFamily="49" charset="0"/>
+              </a:rPr>
               <a:t>// </a:t>
             </a:r>
             <a:r>
-              <a:rPr lang="en-US" sz="1600" dirty="0"/>
-              <a:t>Method for inserting into </a:t>
-            </a:r>
-            <a:r>
-              <a:rPr lang="en-US" sz="1600" dirty="0" err="1"/>
+              <a:rPr lang="en-US" sz="1400" dirty="0" err="1">
+                <a:latin typeface="Courier New" panose="02070309020205020404" pitchFamily="49" charset="0"/>
+                <a:cs typeface="Courier New" panose="02070309020205020404" pitchFamily="49" charset="0"/>
+              </a:rPr>
+              <a:t>keyvals</a:t>
+            </a:r>
+            <a:r>
+              <a:rPr lang="en-US" sz="1400" dirty="0">
+                <a:latin typeface="Courier New" panose="02070309020205020404" pitchFamily="49" charset="0"/>
+                <a:cs typeface="Courier New" panose="02070309020205020404" pitchFamily="49" charset="0"/>
+              </a:rPr>
+              <a:t>:</a:t>
+            </a:r>
+          </a:p>
+          <a:p>
+            <a:pPr marL="0" indent="0">
+              <a:buNone/>
+            </a:pPr>
+            <a:r>
+              <a:rPr lang="en-US" sz="1400" dirty="0" smtClean="0">
+                <a:latin typeface="Courier New" panose="02070309020205020404" pitchFamily="49" charset="0"/>
+                <a:cs typeface="Courier New" panose="02070309020205020404" pitchFamily="49" charset="0"/>
+              </a:rPr>
+              <a:t>//</a:t>
+            </a:r>
+            <a:r>
+              <a:rPr lang="en-US" sz="1400" dirty="0">
+                <a:latin typeface="Courier New" panose="02070309020205020404" pitchFamily="49" charset="0"/>
+                <a:cs typeface="Courier New" panose="02070309020205020404" pitchFamily="49" charset="0"/>
+              </a:rPr>
+              <a:t>	L = Name of Key that matches schema</a:t>
+            </a:r>
+          </a:p>
+          <a:p>
+            <a:pPr marL="0" indent="0">
+              <a:buNone/>
+            </a:pPr>
+            <a:r>
+              <a:rPr lang="en-US" sz="1400" dirty="0" smtClean="0">
+                <a:latin typeface="Courier New" panose="02070309020205020404" pitchFamily="49" charset="0"/>
+                <a:cs typeface="Courier New" panose="02070309020205020404" pitchFamily="49" charset="0"/>
+              </a:rPr>
+              <a:t>//</a:t>
+            </a:r>
+            <a:r>
+              <a:rPr lang="en-US" sz="1400" dirty="0">
+                <a:latin typeface="Courier New" panose="02070309020205020404" pitchFamily="49" charset="0"/>
+                <a:cs typeface="Courier New" panose="02070309020205020404" pitchFamily="49" charset="0"/>
+              </a:rPr>
+              <a:t>	R = Value in String Representation</a:t>
+            </a:r>
+          </a:p>
+          <a:p>
+            <a:pPr marL="0" indent="0">
+              <a:buNone/>
+            </a:pPr>
+            <a:r>
+              <a:rPr lang="en-US" sz="1400" dirty="0" smtClean="0">
+                <a:latin typeface="Courier New" panose="02070309020205020404" pitchFamily="49" charset="0"/>
+                <a:cs typeface="Courier New" panose="02070309020205020404" pitchFamily="49" charset="0"/>
+              </a:rPr>
+              <a:t>public </a:t>
+            </a:r>
+            <a:r>
+              <a:rPr lang="en-US" sz="1400" dirty="0">
+                <a:latin typeface="Courier New" panose="02070309020205020404" pitchFamily="49" charset="0"/>
+                <a:cs typeface="Courier New" panose="02070309020205020404" pitchFamily="49" charset="0"/>
+              </a:rPr>
+              <a:t>abstract void Insert( </a:t>
+            </a:r>
+            <a:r>
+              <a:rPr lang="en-US" sz="1400" dirty="0" err="1">
+                <a:latin typeface="Courier New" panose="02070309020205020404" pitchFamily="49" charset="0"/>
+                <a:cs typeface="Courier New" panose="02070309020205020404" pitchFamily="49" charset="0"/>
+              </a:rPr>
+              <a:t>ArrayList</a:t>
+            </a:r>
+            <a:r>
+              <a:rPr lang="en-US" sz="1400" dirty="0">
+                <a:latin typeface="Courier New" panose="02070309020205020404" pitchFamily="49" charset="0"/>
+                <a:cs typeface="Courier New" panose="02070309020205020404" pitchFamily="49" charset="0"/>
+              </a:rPr>
+              <a:t>&lt;Pair&lt;</a:t>
+            </a:r>
+            <a:r>
+              <a:rPr lang="en-US" sz="1400" dirty="0" err="1">
+                <a:latin typeface="Courier New" panose="02070309020205020404" pitchFamily="49" charset="0"/>
+                <a:cs typeface="Courier New" panose="02070309020205020404" pitchFamily="49" charset="0"/>
+              </a:rPr>
+              <a:t>String,String</a:t>
+            </a:r>
+            <a:r>
+              <a:rPr lang="en-US" sz="1400" dirty="0">
+                <a:latin typeface="Courier New" panose="02070309020205020404" pitchFamily="49" charset="0"/>
+                <a:cs typeface="Courier New" panose="02070309020205020404" pitchFamily="49" charset="0"/>
+              </a:rPr>
+              <a:t>&gt;&gt; </a:t>
+            </a:r>
+            <a:r>
+              <a:rPr lang="en-US" sz="1400" dirty="0" err="1">
+                <a:latin typeface="Courier New" panose="02070309020205020404" pitchFamily="49" charset="0"/>
+                <a:cs typeface="Courier New" panose="02070309020205020404" pitchFamily="49" charset="0"/>
+              </a:rPr>
+              <a:t>keyVals</a:t>
+            </a:r>
+            <a:r>
+              <a:rPr lang="en-US" sz="1400" dirty="0">
+                <a:latin typeface="Courier New" panose="02070309020205020404" pitchFamily="49" charset="0"/>
+                <a:cs typeface="Courier New" panose="02070309020205020404" pitchFamily="49" charset="0"/>
+              </a:rPr>
+              <a:t> ) throws </a:t>
+            </a:r>
+            <a:r>
+              <a:rPr lang="en-US" sz="1400" dirty="0" err="1">
+                <a:latin typeface="Courier New" panose="02070309020205020404" pitchFamily="49" charset="0"/>
+                <a:cs typeface="Courier New" panose="02070309020205020404" pitchFamily="49" charset="0"/>
+              </a:rPr>
+              <a:t>StorageException</a:t>
+            </a:r>
+            <a:r>
+              <a:rPr lang="en-US" sz="1400" dirty="0">
+                <a:latin typeface="Courier New" panose="02070309020205020404" pitchFamily="49" charset="0"/>
+                <a:cs typeface="Courier New" panose="02070309020205020404" pitchFamily="49" charset="0"/>
+              </a:rPr>
+              <a:t>;</a:t>
+            </a:r>
+          </a:p>
+          <a:p>
+            <a:pPr marL="0" indent="0">
+              <a:buNone/>
+            </a:pPr>
+            <a:r>
+              <a:rPr lang="en-US" sz="1400" dirty="0">
+                <a:latin typeface="Courier New" panose="02070309020205020404" pitchFamily="49" charset="0"/>
+                <a:cs typeface="Courier New" panose="02070309020205020404" pitchFamily="49" charset="0"/>
+              </a:rPr>
+              <a:t>	</a:t>
+            </a:r>
+          </a:p>
+          <a:p>
+            <a:pPr marL="0" indent="0">
+              <a:buNone/>
+            </a:pPr>
+            <a:r>
+              <a:rPr lang="en-US" sz="1400" dirty="0" smtClean="0">
+                <a:latin typeface="Courier New" panose="02070309020205020404" pitchFamily="49" charset="0"/>
+                <a:cs typeface="Courier New" panose="02070309020205020404" pitchFamily="49" charset="0"/>
+              </a:rPr>
+              <a:t>// </a:t>
+            </a:r>
+            <a:r>
+              <a:rPr lang="en-US" sz="1400" dirty="0">
+                <a:latin typeface="Courier New" panose="02070309020205020404" pitchFamily="49" charset="0"/>
+                <a:cs typeface="Courier New" panose="02070309020205020404" pitchFamily="49" charset="0"/>
+              </a:rPr>
+              <a:t>Method for updating the </a:t>
+            </a:r>
+            <a:r>
+              <a:rPr lang="en-US" sz="1400" dirty="0" err="1">
+                <a:latin typeface="Courier New" panose="02070309020205020404" pitchFamily="49" charset="0"/>
+                <a:cs typeface="Courier New" panose="02070309020205020404" pitchFamily="49" charset="0"/>
+              </a:rPr>
               <a:t>datastore</a:t>
             </a:r>
-            <a:endParaRPr lang="en-US" sz="1600" dirty="0"/>
+            <a:endParaRPr lang="en-US" sz="1400" dirty="0">
+              <a:latin typeface="Courier New" panose="02070309020205020404" pitchFamily="49" charset="0"/>
+              <a:cs typeface="Courier New" panose="02070309020205020404" pitchFamily="49" charset="0"/>
+            </a:endParaRPr>
           </a:p>
           <a:p>
             <a:pPr marL="0" indent="0">
               <a:buNone/>
             </a:pPr>
             <a:r>
-              <a:rPr lang="en-US" sz="1600" dirty="0" smtClean="0"/>
+              <a:rPr lang="en-US" sz="1400" dirty="0" smtClean="0">
+                <a:latin typeface="Courier New" panose="02070309020205020404" pitchFamily="49" charset="0"/>
+                <a:cs typeface="Courier New" panose="02070309020205020404" pitchFamily="49" charset="0"/>
+              </a:rPr>
               <a:t>// </a:t>
             </a:r>
             <a:r>
-              <a:rPr lang="en-US" sz="1600" dirty="0" err="1"/>
+              <a:rPr lang="en-US" sz="1400" dirty="0" err="1">
+                <a:latin typeface="Courier New" panose="02070309020205020404" pitchFamily="49" charset="0"/>
+                <a:cs typeface="Courier New" panose="02070309020205020404" pitchFamily="49" charset="0"/>
+              </a:rPr>
               <a:t>keyvals</a:t>
             </a:r>
             <a:r>
-              <a:rPr lang="en-US" sz="1600" dirty="0"/>
+              <a:rPr lang="en-US" sz="1400" dirty="0">
+                <a:latin typeface="Courier New" panose="02070309020205020404" pitchFamily="49" charset="0"/>
+                <a:cs typeface="Courier New" panose="02070309020205020404" pitchFamily="49" charset="0"/>
+              </a:rPr>
               <a:t>:</a:t>
             </a:r>
           </a:p>
@@ -10327,11 +10550,17 @@
               <a:buNone/>
             </a:pPr>
             <a:r>
-              <a:rPr lang="en-US" sz="1600" dirty="0" smtClean="0"/>
+              <a:rPr lang="en-US" sz="1400" dirty="0" smtClean="0">
+                <a:latin typeface="Courier New" panose="02070309020205020404" pitchFamily="49" charset="0"/>
+                <a:cs typeface="Courier New" panose="02070309020205020404" pitchFamily="49" charset="0"/>
+              </a:rPr>
               <a:t>//</a:t>
             </a:r>
             <a:r>
-              <a:rPr lang="en-US" sz="1600" dirty="0"/>
+              <a:rPr lang="en-US" sz="1400" dirty="0">
+                <a:latin typeface="Courier New" panose="02070309020205020404" pitchFamily="49" charset="0"/>
+                <a:cs typeface="Courier New" panose="02070309020205020404" pitchFamily="49" charset="0"/>
+              </a:rPr>
               <a:t>	L = Name of Key that matches schema</a:t>
             </a:r>
           </a:p>
@@ -10340,12 +10569,18 @@
               <a:buNone/>
             </a:pPr>
             <a:r>
-              <a:rPr lang="en-US" sz="1600" dirty="0" smtClean="0"/>
+              <a:rPr lang="en-US" sz="1400" dirty="0" smtClean="0">
+                <a:latin typeface="Courier New" panose="02070309020205020404" pitchFamily="49" charset="0"/>
+                <a:cs typeface="Courier New" panose="02070309020205020404" pitchFamily="49" charset="0"/>
+              </a:rPr>
               <a:t>//</a:t>
             </a:r>
             <a:r>
-              <a:rPr lang="en-US" sz="1600" dirty="0"/>
-              <a:t>	R = Value in String Representation</a:t>
+              <a:rPr lang="en-US" sz="1400" dirty="0">
+                <a:latin typeface="Courier New" panose="02070309020205020404" pitchFamily="49" charset="0"/>
+                <a:cs typeface="Courier New" panose="02070309020205020404" pitchFamily="49" charset="0"/>
+              </a:rPr>
+              <a:t>	R = Value in String Representation	</a:t>
             </a:r>
           </a:p>
           <a:p>
@@ -10353,43 +10588,254 @@
               <a:buNone/>
             </a:pPr>
             <a:r>
-              <a:rPr lang="en-US" sz="1600" dirty="0" smtClean="0"/>
+              <a:rPr lang="en-US" sz="1400" dirty="0" smtClean="0">
+                <a:latin typeface="Courier New" panose="02070309020205020404" pitchFamily="49" charset="0"/>
+                <a:cs typeface="Courier New" panose="02070309020205020404" pitchFamily="49" charset="0"/>
+              </a:rPr>
+              <a:t>//</a:t>
+            </a:r>
+            <a:r>
+              <a:rPr lang="en-US" sz="1400" dirty="0">
+                <a:latin typeface="Courier New" panose="02070309020205020404" pitchFamily="49" charset="0"/>
+                <a:cs typeface="Courier New" panose="02070309020205020404" pitchFamily="49" charset="0"/>
+              </a:rPr>
+              <a:t>	where: where clause for matching records</a:t>
+            </a:r>
+          </a:p>
+          <a:p>
+            <a:pPr marL="0" indent="0">
+              <a:buNone/>
+            </a:pPr>
+            <a:r>
+              <a:rPr lang="en-US" sz="1400" dirty="0" smtClean="0">
+                <a:latin typeface="Courier New" panose="02070309020205020404" pitchFamily="49" charset="0"/>
+                <a:cs typeface="Courier New" panose="02070309020205020404" pitchFamily="49" charset="0"/>
+              </a:rPr>
               <a:t>public </a:t>
             </a:r>
             <a:r>
-              <a:rPr lang="en-US" sz="1600" dirty="0"/>
-              <a:t>abstract void Insert( </a:t>
-            </a:r>
-            <a:r>
-              <a:rPr lang="en-US" sz="1600" dirty="0" err="1"/>
+              <a:rPr lang="en-US" sz="1400" dirty="0">
+                <a:latin typeface="Courier New" panose="02070309020205020404" pitchFamily="49" charset="0"/>
+                <a:cs typeface="Courier New" panose="02070309020205020404" pitchFamily="49" charset="0"/>
+              </a:rPr>
+              <a:t>abstract void Update( </a:t>
+            </a:r>
+            <a:r>
+              <a:rPr lang="en-US" sz="1400" dirty="0" err="1">
+                <a:latin typeface="Courier New" panose="02070309020205020404" pitchFamily="49" charset="0"/>
+                <a:cs typeface="Courier New" panose="02070309020205020404" pitchFamily="49" charset="0"/>
+              </a:rPr>
               <a:t>ArrayList</a:t>
             </a:r>
             <a:r>
-              <a:rPr lang="en-US" sz="1600" dirty="0"/>
+              <a:rPr lang="en-US" sz="1400" dirty="0">
+                <a:latin typeface="Courier New" panose="02070309020205020404" pitchFamily="49" charset="0"/>
+                <a:cs typeface="Courier New" panose="02070309020205020404" pitchFamily="49" charset="0"/>
+              </a:rPr>
               <a:t>&lt;Pair&lt;</a:t>
             </a:r>
             <a:r>
-              <a:rPr lang="en-US" sz="1600" dirty="0" err="1"/>
+              <a:rPr lang="en-US" sz="1400" dirty="0" err="1">
+                <a:latin typeface="Courier New" panose="02070309020205020404" pitchFamily="49" charset="0"/>
+                <a:cs typeface="Courier New" panose="02070309020205020404" pitchFamily="49" charset="0"/>
+              </a:rPr>
               <a:t>String,String</a:t>
             </a:r>
             <a:r>
-              <a:rPr lang="en-US" sz="1600" dirty="0"/>
+              <a:rPr lang="en-US" sz="1400" dirty="0">
+                <a:latin typeface="Courier New" panose="02070309020205020404" pitchFamily="49" charset="0"/>
+                <a:cs typeface="Courier New" panose="02070309020205020404" pitchFamily="49" charset="0"/>
+              </a:rPr>
               <a:t>&gt;&gt; </a:t>
             </a:r>
             <a:r>
-              <a:rPr lang="en-US" sz="1600" dirty="0" err="1"/>
+              <a:rPr lang="en-US" sz="1400" dirty="0" err="1">
+                <a:latin typeface="Courier New" panose="02070309020205020404" pitchFamily="49" charset="0"/>
+                <a:cs typeface="Courier New" panose="02070309020205020404" pitchFamily="49" charset="0"/>
+              </a:rPr>
               <a:t>keyVals</a:t>
             </a:r>
             <a:r>
-              <a:rPr lang="en-US" sz="1600" dirty="0"/>
-              <a:t> ) throws </a:t>
-            </a:r>
-            <a:r>
-              <a:rPr lang="en-US" sz="1600" dirty="0" err="1"/>
+              <a:rPr lang="en-US" sz="1400" dirty="0">
+                <a:latin typeface="Courier New" panose="02070309020205020404" pitchFamily="49" charset="0"/>
+                <a:cs typeface="Courier New" panose="02070309020205020404" pitchFamily="49" charset="0"/>
+              </a:rPr>
+              <a:t>, Where </a:t>
+            </a:r>
+            <a:r>
+              <a:rPr lang="en-US" sz="1400" dirty="0" err="1">
+                <a:latin typeface="Courier New" panose="02070309020205020404" pitchFamily="49" charset="0"/>
+                <a:cs typeface="Courier New" panose="02070309020205020404" pitchFamily="49" charset="0"/>
+              </a:rPr>
+              <a:t>where</a:t>
+            </a:r>
+            <a:r>
+              <a:rPr lang="en-US" sz="1400" dirty="0">
+                <a:latin typeface="Courier New" panose="02070309020205020404" pitchFamily="49" charset="0"/>
+                <a:cs typeface="Courier New" panose="02070309020205020404" pitchFamily="49" charset="0"/>
+              </a:rPr>
+              <a:t> );</a:t>
+            </a:r>
+          </a:p>
+          <a:p>
+            <a:pPr marL="0" indent="0">
+              <a:buNone/>
+            </a:pPr>
+            <a:r>
+              <a:rPr lang="en-US" sz="1400" dirty="0">
+                <a:latin typeface="Courier New" panose="02070309020205020404" pitchFamily="49" charset="0"/>
+                <a:cs typeface="Courier New" panose="02070309020205020404" pitchFamily="49" charset="0"/>
+              </a:rPr>
+              <a:t>		</a:t>
+            </a:r>
+          </a:p>
+          <a:p>
+            <a:pPr marL="0" indent="0">
+              <a:buNone/>
+            </a:pPr>
+            <a:r>
+              <a:rPr lang="en-US" sz="1400" dirty="0" smtClean="0">
+                <a:latin typeface="Courier New" panose="02070309020205020404" pitchFamily="49" charset="0"/>
+                <a:cs typeface="Courier New" panose="02070309020205020404" pitchFamily="49" charset="0"/>
+              </a:rPr>
+              <a:t>// </a:t>
+            </a:r>
+            <a:r>
+              <a:rPr lang="en-US" sz="1400" dirty="0">
+                <a:latin typeface="Courier New" panose="02070309020205020404" pitchFamily="49" charset="0"/>
+                <a:cs typeface="Courier New" panose="02070309020205020404" pitchFamily="49" charset="0"/>
+              </a:rPr>
+              <a:t>Method for selecting rows from </a:t>
+            </a:r>
+            <a:r>
+              <a:rPr lang="en-US" sz="1400" dirty="0" err="1">
+                <a:latin typeface="Courier New" panose="02070309020205020404" pitchFamily="49" charset="0"/>
+                <a:cs typeface="Courier New" panose="02070309020205020404" pitchFamily="49" charset="0"/>
+              </a:rPr>
+              <a:t>datastore</a:t>
+            </a:r>
+            <a:endParaRPr lang="en-US" sz="1400" dirty="0">
+              <a:latin typeface="Courier New" panose="02070309020205020404" pitchFamily="49" charset="0"/>
+              <a:cs typeface="Courier New" panose="02070309020205020404" pitchFamily="49" charset="0"/>
+            </a:endParaRPr>
+          </a:p>
+          <a:p>
+            <a:pPr marL="0" indent="0">
+              <a:buNone/>
+            </a:pPr>
+            <a:r>
+              <a:rPr lang="en-US" sz="1400" dirty="0" smtClean="0">
+                <a:latin typeface="Courier New" panose="02070309020205020404" pitchFamily="49" charset="0"/>
+                <a:cs typeface="Courier New" panose="02070309020205020404" pitchFamily="49" charset="0"/>
+              </a:rPr>
+              <a:t>//</a:t>
+            </a:r>
+            <a:r>
+              <a:rPr lang="en-US" sz="1400" dirty="0">
+                <a:latin typeface="Courier New" panose="02070309020205020404" pitchFamily="49" charset="0"/>
+                <a:cs typeface="Courier New" panose="02070309020205020404" pitchFamily="49" charset="0"/>
+              </a:rPr>
+              <a:t>	keys: keys to selecting</a:t>
+            </a:r>
+          </a:p>
+          <a:p>
+            <a:pPr marL="0" indent="0">
+              <a:buNone/>
+            </a:pPr>
+            <a:r>
+              <a:rPr lang="en-US" sz="1400" dirty="0" smtClean="0">
+                <a:latin typeface="Courier New" panose="02070309020205020404" pitchFamily="49" charset="0"/>
+                <a:cs typeface="Courier New" panose="02070309020205020404" pitchFamily="49" charset="0"/>
+              </a:rPr>
+              <a:t>//</a:t>
+            </a:r>
+            <a:r>
+              <a:rPr lang="en-US" sz="1400" dirty="0">
+                <a:latin typeface="Courier New" panose="02070309020205020404" pitchFamily="49" charset="0"/>
+                <a:cs typeface="Courier New" panose="02070309020205020404" pitchFamily="49" charset="0"/>
+              </a:rPr>
+              <a:t>	where: where clause for matching records</a:t>
+            </a:r>
+          </a:p>
+          <a:p>
+            <a:pPr marL="0" indent="0">
+              <a:buNone/>
+            </a:pPr>
+            <a:r>
+              <a:rPr lang="en-US" sz="1400" dirty="0" smtClean="0">
+                <a:latin typeface="Courier New" panose="02070309020205020404" pitchFamily="49" charset="0"/>
+                <a:cs typeface="Courier New" panose="02070309020205020404" pitchFamily="49" charset="0"/>
+              </a:rPr>
+              <a:t>public </a:t>
+            </a:r>
+            <a:r>
+              <a:rPr lang="en-US" sz="1400" dirty="0">
+                <a:latin typeface="Courier New" panose="02070309020205020404" pitchFamily="49" charset="0"/>
+                <a:cs typeface="Courier New" panose="02070309020205020404" pitchFamily="49" charset="0"/>
+              </a:rPr>
+              <a:t>abstract </a:t>
+            </a:r>
+            <a:r>
+              <a:rPr lang="en-US" sz="1400" dirty="0" err="1">
+                <a:latin typeface="Courier New" panose="02070309020205020404" pitchFamily="49" charset="0"/>
+                <a:cs typeface="Courier New" panose="02070309020205020404" pitchFamily="49" charset="0"/>
+              </a:rPr>
+              <a:t>ArrayList</a:t>
+            </a:r>
+            <a:r>
+              <a:rPr lang="en-US" sz="1400" dirty="0">
+                <a:latin typeface="Courier New" panose="02070309020205020404" pitchFamily="49" charset="0"/>
+                <a:cs typeface="Courier New" panose="02070309020205020404" pitchFamily="49" charset="0"/>
+              </a:rPr>
+              <a:t>&lt;Data[]&gt; Select( String[] keys, </a:t>
+            </a:r>
+            <a:r>
+              <a:rPr lang="en-US" sz="1400" dirty="0" err="1">
+                <a:latin typeface="Courier New" panose="02070309020205020404" pitchFamily="49" charset="0"/>
+                <a:cs typeface="Courier New" panose="02070309020205020404" pitchFamily="49" charset="0"/>
+              </a:rPr>
+              <a:t>ArrayList</a:t>
+            </a:r>
+            <a:r>
+              <a:rPr lang="en-US" sz="1400" dirty="0">
+                <a:latin typeface="Courier New" panose="02070309020205020404" pitchFamily="49" charset="0"/>
+                <a:cs typeface="Courier New" panose="02070309020205020404" pitchFamily="49" charset="0"/>
+              </a:rPr>
+              <a:t>&lt;Where&gt; where ) </a:t>
+            </a:r>
+            <a:r>
+              <a:rPr lang="en-US" sz="1400" dirty="0" smtClean="0">
+                <a:latin typeface="Courier New" panose="02070309020205020404" pitchFamily="49" charset="0"/>
+                <a:cs typeface="Courier New" panose="02070309020205020404" pitchFamily="49" charset="0"/>
+              </a:rPr>
+              <a:t>throws </a:t>
+            </a:r>
+            <a:r>
+              <a:rPr lang="en-US" sz="1400" dirty="0" err="1" smtClean="0">
+                <a:latin typeface="Courier New" panose="02070309020205020404" pitchFamily="49" charset="0"/>
+                <a:cs typeface="Courier New" panose="02070309020205020404" pitchFamily="49" charset="0"/>
+              </a:rPr>
+              <a:t>IllegalArgumentException</a:t>
+            </a:r>
+            <a:r>
+              <a:rPr lang="en-US" sz="1400" dirty="0">
+                <a:latin typeface="Courier New" panose="02070309020205020404" pitchFamily="49" charset="0"/>
+                <a:cs typeface="Courier New" panose="02070309020205020404" pitchFamily="49" charset="0"/>
+              </a:rPr>
+              <a:t>, </a:t>
+            </a:r>
+            <a:r>
+              <a:rPr lang="en-US" sz="1400" dirty="0" err="1">
+                <a:latin typeface="Courier New" panose="02070309020205020404" pitchFamily="49" charset="0"/>
+                <a:cs typeface="Courier New" panose="02070309020205020404" pitchFamily="49" charset="0"/>
+              </a:rPr>
               <a:t>StorageException</a:t>
             </a:r>
             <a:r>
-              <a:rPr lang="en-US" sz="1600" dirty="0"/>
+              <a:rPr lang="en-US" sz="1400" dirty="0" smtClean="0">
+                <a:latin typeface="Courier New" panose="02070309020205020404" pitchFamily="49" charset="0"/>
+                <a:cs typeface="Courier New" panose="02070309020205020404" pitchFamily="49" charset="0"/>
+              </a:rPr>
               <a:t>;</a:t>
             </a:r>
           </a:p>
@@ -10398,235 +10844,16 @@
               <a:buNone/>
             </a:pPr>
             <a:r>
-              <a:rPr lang="en-US" sz="1600" dirty="0"/>
-              <a:t>	</a:t>
-            </a:r>
-          </a:p>
-          <a:p>
-            <a:pPr marL="0" indent="0">
-              <a:buNone/>
-            </a:pPr>
-            <a:r>
-              <a:rPr lang="en-US" sz="1600" dirty="0" smtClean="0"/>
-              <a:t>// </a:t>
-            </a:r>
-            <a:r>
-              <a:rPr lang="en-US" sz="1600" dirty="0"/>
-              <a:t>Method for updating the </a:t>
-            </a:r>
-            <a:r>
-              <a:rPr lang="en-US" sz="1600" dirty="0" err="1"/>
-              <a:t>datastore</a:t>
-            </a:r>
-            <a:endParaRPr lang="en-US" sz="1600" dirty="0"/>
-          </a:p>
-          <a:p>
-            <a:pPr marL="0" indent="0">
-              <a:buNone/>
-            </a:pPr>
-            <a:r>
-              <a:rPr lang="en-US" sz="1600" dirty="0" smtClean="0"/>
-              <a:t>// </a:t>
-            </a:r>
-            <a:r>
-              <a:rPr lang="en-US" sz="1600" dirty="0" err="1"/>
-              <a:t>keyvals</a:t>
-            </a:r>
-            <a:r>
-              <a:rPr lang="en-US" sz="1600" dirty="0"/>
-              <a:t>:</a:t>
-            </a:r>
-          </a:p>
-          <a:p>
-            <a:pPr marL="0" indent="0">
-              <a:buNone/>
-            </a:pPr>
-            <a:r>
-              <a:rPr lang="en-US" sz="1600" dirty="0" smtClean="0"/>
-              <a:t>//</a:t>
-            </a:r>
-            <a:r>
-              <a:rPr lang="en-US" sz="1600" dirty="0"/>
-              <a:t>	L = Name of Key that matches schema</a:t>
-            </a:r>
-          </a:p>
-          <a:p>
-            <a:pPr marL="0" indent="0">
-              <a:buNone/>
-            </a:pPr>
-            <a:r>
-              <a:rPr lang="en-US" sz="1600" dirty="0" smtClean="0"/>
-              <a:t>//</a:t>
-            </a:r>
-            <a:r>
-              <a:rPr lang="en-US" sz="1600" dirty="0"/>
-              <a:t>	R = Value in String Representation	</a:t>
-            </a:r>
-          </a:p>
-          <a:p>
-            <a:pPr marL="0" indent="0">
-              <a:buNone/>
-            </a:pPr>
-            <a:r>
-              <a:rPr lang="en-US" sz="1600" dirty="0" smtClean="0"/>
-              <a:t>//</a:t>
-            </a:r>
-            <a:r>
-              <a:rPr lang="en-US" sz="1600" dirty="0"/>
-              <a:t>	where: where clause for matching records</a:t>
-            </a:r>
-          </a:p>
-          <a:p>
-            <a:pPr marL="0" indent="0">
-              <a:buNone/>
-            </a:pPr>
-            <a:r>
-              <a:rPr lang="en-US" sz="1600" dirty="0" smtClean="0"/>
-              <a:t>public </a:t>
-            </a:r>
-            <a:r>
-              <a:rPr lang="en-US" sz="1600" dirty="0"/>
-              <a:t>abstract void Update( </a:t>
-            </a:r>
-            <a:r>
-              <a:rPr lang="en-US" sz="1600" dirty="0" err="1"/>
-              <a:t>ArrayList</a:t>
-            </a:r>
-            <a:r>
-              <a:rPr lang="en-US" sz="1600" dirty="0"/>
-              <a:t>&lt;Pair&lt;</a:t>
-            </a:r>
-            <a:r>
-              <a:rPr lang="en-US" sz="1600" dirty="0" err="1"/>
-              <a:t>String,String</a:t>
-            </a:r>
-            <a:r>
-              <a:rPr lang="en-US" sz="1600" dirty="0"/>
-              <a:t>&gt;&gt; </a:t>
-            </a:r>
-            <a:r>
-              <a:rPr lang="en-US" sz="1600" dirty="0" err="1"/>
-              <a:t>keyVals</a:t>
-            </a:r>
-            <a:r>
-              <a:rPr lang="en-US" sz="1600" dirty="0"/>
-              <a:t>, Where </a:t>
-            </a:r>
-            <a:r>
-              <a:rPr lang="en-US" sz="1600" dirty="0" err="1"/>
-              <a:t>where</a:t>
-            </a:r>
-            <a:r>
-              <a:rPr lang="en-US" sz="1600" dirty="0"/>
-              <a:t> );</a:t>
-            </a:r>
-          </a:p>
-          <a:p>
-            <a:pPr marL="0" indent="0">
-              <a:buNone/>
-            </a:pPr>
-            <a:r>
-              <a:rPr lang="en-US" sz="1600" dirty="0"/>
+              <a:rPr lang="en-US" sz="1400" dirty="0">
+                <a:latin typeface="Courier New" panose="02070309020205020404" pitchFamily="49" charset="0"/>
+                <a:cs typeface="Courier New" panose="02070309020205020404" pitchFamily="49" charset="0"/>
+              </a:rPr>
               <a:t>		</a:t>
             </a:r>
-          </a:p>
-          <a:p>
-            <a:pPr marL="0" indent="0">
-              <a:buNone/>
-            </a:pPr>
-            <a:r>
-              <a:rPr lang="en-US" sz="1600" dirty="0" smtClean="0"/>
-              <a:t>// </a:t>
-            </a:r>
-            <a:r>
-              <a:rPr lang="en-US" sz="1600" dirty="0"/>
-              <a:t>Method for selecting rows from </a:t>
-            </a:r>
-            <a:r>
-              <a:rPr lang="en-US" sz="1600" dirty="0" err="1"/>
-              <a:t>datastore</a:t>
-            </a:r>
-            <a:endParaRPr lang="en-US" sz="1600" dirty="0"/>
-          </a:p>
-          <a:p>
-            <a:pPr marL="0" indent="0">
-              <a:buNone/>
-            </a:pPr>
-            <a:r>
-              <a:rPr lang="en-US" sz="1600" dirty="0" smtClean="0"/>
-              <a:t>//</a:t>
-            </a:r>
-            <a:r>
-              <a:rPr lang="en-US" sz="1600" dirty="0"/>
-              <a:t>	keys: keys to selecting</a:t>
-            </a:r>
-          </a:p>
-          <a:p>
-            <a:pPr marL="0" indent="0">
-              <a:buNone/>
-            </a:pPr>
-            <a:r>
-              <a:rPr lang="en-US" sz="1600" dirty="0" smtClean="0"/>
-              <a:t>//</a:t>
-            </a:r>
-            <a:r>
-              <a:rPr lang="en-US" sz="1600" dirty="0"/>
-              <a:t>	where: where clause for matching records</a:t>
-            </a:r>
-          </a:p>
-          <a:p>
-            <a:pPr marL="0" indent="0">
-              <a:buNone/>
-            </a:pPr>
-            <a:r>
-              <a:rPr lang="en-US" sz="1600" dirty="0" smtClean="0"/>
-              <a:t>public </a:t>
-            </a:r>
-            <a:r>
-              <a:rPr lang="en-US" sz="1600" dirty="0"/>
-              <a:t>abstract </a:t>
-            </a:r>
-            <a:r>
-              <a:rPr lang="en-US" sz="1600" dirty="0" err="1"/>
-              <a:t>ArrayList</a:t>
-            </a:r>
-            <a:r>
-              <a:rPr lang="en-US" sz="1600" dirty="0"/>
-              <a:t>&lt;Data[]&gt; Select( String[] keys, </a:t>
-            </a:r>
-            <a:r>
-              <a:rPr lang="en-US" sz="1600" dirty="0" err="1"/>
-              <a:t>ArrayList</a:t>
-            </a:r>
-            <a:r>
-              <a:rPr lang="en-US" sz="1600" dirty="0"/>
-              <a:t>&lt;Where&gt; where ) </a:t>
-            </a:r>
-            <a:r>
-              <a:rPr lang="en-US" sz="1600" dirty="0" smtClean="0"/>
-              <a:t>throws </a:t>
-            </a:r>
-            <a:r>
-              <a:rPr lang="en-US" sz="1600" dirty="0" err="1" smtClean="0"/>
-              <a:t>IllegalArgumentException</a:t>
-            </a:r>
-            <a:r>
-              <a:rPr lang="en-US" sz="1600" dirty="0"/>
-              <a:t>, </a:t>
-            </a:r>
-            <a:r>
-              <a:rPr lang="en-US" sz="1600" dirty="0" err="1"/>
-              <a:t>StorageException</a:t>
-            </a:r>
-            <a:r>
-              <a:rPr lang="en-US" sz="1600" dirty="0"/>
-              <a:t>;</a:t>
-            </a:r>
-            <a:r>
-              <a:rPr lang="en-US" dirty="0"/>
-              <a:t>		</a:t>
-            </a:r>
-            <a:endParaRPr lang="en-US" dirty="0" smtClean="0"/>
+            <a:endParaRPr lang="en-US" sz="1400" dirty="0" smtClean="0">
+              <a:latin typeface="Courier New" panose="02070309020205020404" pitchFamily="49" charset="0"/>
+              <a:cs typeface="Courier New" panose="02070309020205020404" pitchFamily="49" charset="0"/>
+            </a:endParaRPr>
           </a:p>
         </p:txBody>
       </p:sp>
@@ -10710,9 +10937,12 @@
         </p:nvSpPr>
         <p:spPr>
           <a:xfrm>
-            <a:off x="381000" y="1143000"/>
-            <a:ext cx="8382000" cy="5810822"/>
+            <a:off x="381000" y="914400"/>
+            <a:ext cx="8382000" cy="5562600"/>
           </a:xfrm>
+          <a:solidFill>
+            <a:srgbClr val="002060"/>
+          </a:solidFill>
         </p:spPr>
         <p:txBody>
           <a:bodyPr/>
@@ -10722,11 +10952,17 @@
               <a:buNone/>
             </a:pPr>
             <a:r>
-              <a:rPr lang="en-US" sz="1600" dirty="0" smtClean="0"/>
+              <a:rPr lang="en-US" sz="1600" dirty="0" smtClean="0">
+                <a:latin typeface="Courier New" panose="02070309020205020404" pitchFamily="49" charset="0"/>
+                <a:cs typeface="Courier New" panose="02070309020205020404" pitchFamily="49" charset="0"/>
+              </a:rPr>
               <a:t>// </a:t>
             </a:r>
             <a:r>
-              <a:rPr lang="en-US" sz="1600" dirty="0"/>
+              <a:rPr lang="en-US" sz="1600" dirty="0">
+                <a:latin typeface="Courier New" panose="02070309020205020404" pitchFamily="49" charset="0"/>
+                <a:cs typeface="Courier New" panose="02070309020205020404" pitchFamily="49" charset="0"/>
+              </a:rPr>
               <a:t>Implementation of Insert() method</a:t>
             </a:r>
           </a:p>
@@ -10735,35 +10971,59 @@
               <a:buNone/>
             </a:pPr>
             <a:r>
-              <a:rPr lang="en-US" sz="1600" dirty="0" smtClean="0"/>
+              <a:rPr lang="en-US" sz="1600" dirty="0" smtClean="0">
+                <a:latin typeface="Courier New" panose="02070309020205020404" pitchFamily="49" charset="0"/>
+                <a:cs typeface="Courier New" panose="02070309020205020404" pitchFamily="49" charset="0"/>
+              </a:rPr>
               <a:t>public </a:t>
             </a:r>
             <a:r>
-              <a:rPr lang="en-US" sz="1600" dirty="0"/>
+              <a:rPr lang="en-US" sz="1600" dirty="0">
+                <a:latin typeface="Courier New" panose="02070309020205020404" pitchFamily="49" charset="0"/>
+                <a:cs typeface="Courier New" panose="02070309020205020404" pitchFamily="49" charset="0"/>
+              </a:rPr>
               <a:t>void Insert( </a:t>
             </a:r>
             <a:r>
-              <a:rPr lang="en-US" sz="1600" dirty="0" err="1"/>
+              <a:rPr lang="en-US" sz="1600" dirty="0" err="1">
+                <a:latin typeface="Courier New" panose="02070309020205020404" pitchFamily="49" charset="0"/>
+                <a:cs typeface="Courier New" panose="02070309020205020404" pitchFamily="49" charset="0"/>
+              </a:rPr>
               <a:t>ArrayList</a:t>
             </a:r>
             <a:r>
-              <a:rPr lang="en-US" sz="1600" dirty="0"/>
+              <a:rPr lang="en-US" sz="1600" dirty="0">
+                <a:latin typeface="Courier New" panose="02070309020205020404" pitchFamily="49" charset="0"/>
+                <a:cs typeface="Courier New" panose="02070309020205020404" pitchFamily="49" charset="0"/>
+              </a:rPr>
               <a:t>&lt;Pair&lt;</a:t>
             </a:r>
             <a:r>
-              <a:rPr lang="en-US" sz="1600" dirty="0" err="1"/>
+              <a:rPr lang="en-US" sz="1600" dirty="0" err="1">
+                <a:latin typeface="Courier New" panose="02070309020205020404" pitchFamily="49" charset="0"/>
+                <a:cs typeface="Courier New" panose="02070309020205020404" pitchFamily="49" charset="0"/>
+              </a:rPr>
               <a:t>String,String</a:t>
             </a:r>
             <a:r>
-              <a:rPr lang="en-US" sz="1600" dirty="0"/>
+              <a:rPr lang="en-US" sz="1600" dirty="0">
+                <a:latin typeface="Courier New" panose="02070309020205020404" pitchFamily="49" charset="0"/>
+                <a:cs typeface="Courier New" panose="02070309020205020404" pitchFamily="49" charset="0"/>
+              </a:rPr>
               <a:t>&gt;&gt; </a:t>
             </a:r>
             <a:r>
-              <a:rPr lang="en-US" sz="1600" dirty="0" err="1"/>
+              <a:rPr lang="en-US" sz="1600" dirty="0" err="1">
+                <a:latin typeface="Courier New" panose="02070309020205020404" pitchFamily="49" charset="0"/>
+                <a:cs typeface="Courier New" panose="02070309020205020404" pitchFamily="49" charset="0"/>
+              </a:rPr>
               <a:t>keyVals</a:t>
             </a:r>
             <a:r>
-              <a:rPr lang="en-US" sz="1600" dirty="0"/>
+              <a:rPr lang="en-US" sz="1600" dirty="0">
+                <a:latin typeface="Courier New" panose="02070309020205020404" pitchFamily="49" charset="0"/>
+                <a:cs typeface="Courier New" panose="02070309020205020404" pitchFamily="49" charset="0"/>
+              </a:rPr>
               <a:t> ) </a:t>
             </a:r>
           </a:p>
@@ -10772,59 +11032,98 @@
               <a:buNone/>
             </a:pPr>
             <a:r>
-              <a:rPr lang="en-US" sz="1600" dirty="0"/>
+              <a:rPr lang="en-US" sz="1600" dirty="0">
+                <a:latin typeface="Courier New" panose="02070309020205020404" pitchFamily="49" charset="0"/>
+                <a:cs typeface="Courier New" panose="02070309020205020404" pitchFamily="49" charset="0"/>
+              </a:rPr>
               <a:t>	</a:t>
             </a:r>
             <a:r>
-              <a:rPr lang="en-US" sz="1600" dirty="0" smtClean="0"/>
+              <a:rPr lang="en-US" sz="1600" dirty="0" smtClean="0">
+                <a:latin typeface="Courier New" panose="02070309020205020404" pitchFamily="49" charset="0"/>
+                <a:cs typeface="Courier New" panose="02070309020205020404" pitchFamily="49" charset="0"/>
+              </a:rPr>
               <a:t>throws </a:t>
             </a:r>
             <a:r>
-              <a:rPr lang="en-US" sz="1600" dirty="0" err="1"/>
+              <a:rPr lang="en-US" sz="1600" dirty="0" err="1">
+                <a:latin typeface="Courier New" panose="02070309020205020404" pitchFamily="49" charset="0"/>
+                <a:cs typeface="Courier New" panose="02070309020205020404" pitchFamily="49" charset="0"/>
+              </a:rPr>
               <a:t>IllegalArgumentException</a:t>
             </a:r>
             <a:r>
-              <a:rPr lang="en-US" sz="1600" dirty="0"/>
+              <a:rPr lang="en-US" sz="1600" dirty="0">
+                <a:latin typeface="Courier New" panose="02070309020205020404" pitchFamily="49" charset="0"/>
+                <a:cs typeface="Courier New" panose="02070309020205020404" pitchFamily="49" charset="0"/>
+              </a:rPr>
               <a:t>, </a:t>
             </a:r>
             <a:r>
-              <a:rPr lang="en-US" sz="1600" dirty="0" err="1"/>
+              <a:rPr lang="en-US" sz="1600" dirty="0" err="1">
+                <a:latin typeface="Courier New" panose="02070309020205020404" pitchFamily="49" charset="0"/>
+                <a:cs typeface="Courier New" panose="02070309020205020404" pitchFamily="49" charset="0"/>
+              </a:rPr>
               <a:t>StorageException</a:t>
             </a:r>
-            <a:endParaRPr lang="en-US" sz="1600" dirty="0"/>
+            <a:endParaRPr lang="en-US" sz="1600" dirty="0">
+              <a:latin typeface="Courier New" panose="02070309020205020404" pitchFamily="49" charset="0"/>
+              <a:cs typeface="Courier New" panose="02070309020205020404" pitchFamily="49" charset="0"/>
+            </a:endParaRPr>
           </a:p>
           <a:p>
             <a:pPr marL="0" indent="0">
               <a:buNone/>
             </a:pPr>
             <a:r>
-              <a:rPr lang="en-US" sz="1600" dirty="0" smtClean="0"/>
+              <a:rPr lang="en-US" sz="1600" dirty="0" smtClean="0">
+                <a:latin typeface="Courier New" panose="02070309020205020404" pitchFamily="49" charset="0"/>
+                <a:cs typeface="Courier New" panose="02070309020205020404" pitchFamily="49" charset="0"/>
+              </a:rPr>
               <a:t>{</a:t>
             </a:r>
-            <a:endParaRPr lang="en-US" sz="1600" dirty="0"/>
+            <a:endParaRPr lang="en-US" sz="1600" dirty="0">
+              <a:latin typeface="Courier New" panose="02070309020205020404" pitchFamily="49" charset="0"/>
+              <a:cs typeface="Courier New" panose="02070309020205020404" pitchFamily="49" charset="0"/>
+            </a:endParaRPr>
           </a:p>
           <a:p>
             <a:pPr marL="0" indent="0">
               <a:buNone/>
             </a:pPr>
             <a:r>
-              <a:rPr lang="en-US" sz="1600" dirty="0"/>
+              <a:rPr lang="en-US" sz="1600" dirty="0">
+                <a:latin typeface="Courier New" panose="02070309020205020404" pitchFamily="49" charset="0"/>
+                <a:cs typeface="Courier New" panose="02070309020205020404" pitchFamily="49" charset="0"/>
+              </a:rPr>
               <a:t>	</a:t>
             </a:r>
             <a:r>
-              <a:rPr lang="en-US" sz="1600" dirty="0" err="1" smtClean="0"/>
+              <a:rPr lang="en-US" sz="1600" dirty="0" err="1" smtClean="0">
+                <a:latin typeface="Courier New" panose="02070309020205020404" pitchFamily="49" charset="0"/>
+                <a:cs typeface="Courier New" panose="02070309020205020404" pitchFamily="49" charset="0"/>
+              </a:rPr>
               <a:t>schema.checkKeyValArgs</a:t>
             </a:r>
             <a:r>
-              <a:rPr lang="en-US" sz="1600" dirty="0"/>
+              <a:rPr lang="en-US" sz="1600" dirty="0">
+                <a:latin typeface="Courier New" panose="02070309020205020404" pitchFamily="49" charset="0"/>
+                <a:cs typeface="Courier New" panose="02070309020205020404" pitchFamily="49" charset="0"/>
+              </a:rPr>
               <a:t>( </a:t>
             </a:r>
             <a:r>
-              <a:rPr lang="en-US" sz="1600" dirty="0" err="1"/>
+              <a:rPr lang="en-US" sz="1600" dirty="0" err="1">
+                <a:latin typeface="Courier New" panose="02070309020205020404" pitchFamily="49" charset="0"/>
+                <a:cs typeface="Courier New" panose="02070309020205020404" pitchFamily="49" charset="0"/>
+              </a:rPr>
               <a:t>keyVals</a:t>
             </a:r>
             <a:r>
-              <a:rPr lang="en-US" sz="1600" dirty="0"/>
+              <a:rPr lang="en-US" sz="1600" dirty="0">
+                <a:latin typeface="Courier New" panose="02070309020205020404" pitchFamily="49" charset="0"/>
+                <a:cs typeface="Courier New" panose="02070309020205020404" pitchFamily="49" charset="0"/>
+              </a:rPr>
               <a:t> );</a:t>
             </a:r>
           </a:p>
@@ -10833,7 +11132,10 @@
               <a:buNone/>
             </a:pPr>
             <a:r>
-              <a:rPr lang="en-US" sz="1600" dirty="0"/>
+              <a:rPr lang="en-US" sz="1600" dirty="0">
+                <a:latin typeface="Courier New" panose="02070309020205020404" pitchFamily="49" charset="0"/>
+                <a:cs typeface="Courier New" panose="02070309020205020404" pitchFamily="49" charset="0"/>
+              </a:rPr>
               <a:t>		</a:t>
             </a:r>
           </a:p>
@@ -10842,11 +11144,17 @@
               <a:buNone/>
             </a:pPr>
             <a:r>
-              <a:rPr lang="en-US" sz="1600" dirty="0" smtClean="0"/>
+              <a:rPr lang="en-US" sz="1600" dirty="0" smtClean="0">
+                <a:latin typeface="Courier New" panose="02070309020205020404" pitchFamily="49" charset="0"/>
+                <a:cs typeface="Courier New" panose="02070309020205020404" pitchFamily="49" charset="0"/>
+              </a:rPr>
               <a:t>	// </a:t>
             </a:r>
             <a:r>
-              <a:rPr lang="en-US" sz="1600" dirty="0"/>
+              <a:rPr lang="en-US" sz="1600" dirty="0">
+                <a:latin typeface="Courier New" panose="02070309020205020404" pitchFamily="49" charset="0"/>
+                <a:cs typeface="Courier New" panose="02070309020205020404" pitchFamily="49" charset="0"/>
+              </a:rPr>
               <a:t>Seek to the end of the Storage</a:t>
             </a:r>
           </a:p>
@@ -10855,7 +11163,10 @@
               <a:buNone/>
             </a:pPr>
             <a:r>
-              <a:rPr lang="en-US" sz="1600" dirty="0"/>
+              <a:rPr lang="en-US" sz="1600" dirty="0">
+                <a:latin typeface="Courier New" panose="02070309020205020404" pitchFamily="49" charset="0"/>
+                <a:cs typeface="Courier New" panose="02070309020205020404" pitchFamily="49" charset="0"/>
+              </a:rPr>
               <a:t>		End();</a:t>
             </a:r>
           </a:p>
@@ -10864,7 +11175,10 @@
               <a:buNone/>
             </a:pPr>
             <a:r>
-              <a:rPr lang="en-US" sz="1600" dirty="0"/>
+              <a:rPr lang="en-US" sz="1600" dirty="0">
+                <a:latin typeface="Courier New" panose="02070309020205020404" pitchFamily="49" charset="0"/>
+                <a:cs typeface="Courier New" panose="02070309020205020404" pitchFamily="49" charset="0"/>
+              </a:rPr>
               <a:t>		</a:t>
             </a:r>
           </a:p>
@@ -10873,15 +11187,24 @@
               <a:buNone/>
             </a:pPr>
             <a:r>
-              <a:rPr lang="en-US" sz="1600" dirty="0"/>
+              <a:rPr lang="en-US" sz="1600" dirty="0">
+                <a:latin typeface="Courier New" panose="02070309020205020404" pitchFamily="49" charset="0"/>
+                <a:cs typeface="Courier New" panose="02070309020205020404" pitchFamily="49" charset="0"/>
+              </a:rPr>
               <a:t>	</a:t>
             </a:r>
             <a:r>
-              <a:rPr lang="en-US" sz="1600" dirty="0" smtClean="0"/>
+              <a:rPr lang="en-US" sz="1600" dirty="0" smtClean="0">
+                <a:latin typeface="Courier New" panose="02070309020205020404" pitchFamily="49" charset="0"/>
+                <a:cs typeface="Courier New" panose="02070309020205020404" pitchFamily="49" charset="0"/>
+              </a:rPr>
               <a:t>/ </a:t>
             </a:r>
             <a:r>
-              <a:rPr lang="en-US" sz="1600" dirty="0"/>
+              <a:rPr lang="en-US" sz="1600" dirty="0">
+                <a:latin typeface="Courier New" panose="02070309020205020404" pitchFamily="49" charset="0"/>
+                <a:cs typeface="Courier New" panose="02070309020205020404" pitchFamily="49" charset="0"/>
+              </a:rPr>
               <a:t>Index the entry for primary key(s)</a:t>
             </a:r>
           </a:p>
@@ -10890,23 +11213,38 @@
               <a:buNone/>
             </a:pPr>
             <a:r>
-              <a:rPr lang="en-US" sz="1600" dirty="0"/>
+              <a:rPr lang="en-US" sz="1600" dirty="0">
+                <a:latin typeface="Courier New" panose="02070309020205020404" pitchFamily="49" charset="0"/>
+                <a:cs typeface="Courier New" panose="02070309020205020404" pitchFamily="49" charset="0"/>
+              </a:rPr>
               <a:t>	</a:t>
             </a:r>
             <a:r>
-              <a:rPr lang="en-US" sz="1600" dirty="0" smtClean="0"/>
+              <a:rPr lang="en-US" sz="1600" dirty="0" smtClean="0">
+                <a:latin typeface="Courier New" panose="02070309020205020404" pitchFamily="49" charset="0"/>
+                <a:cs typeface="Courier New" panose="02070309020205020404" pitchFamily="49" charset="0"/>
+              </a:rPr>
               <a:t>long </a:t>
             </a:r>
             <a:r>
-              <a:rPr lang="en-US" sz="1600" dirty="0"/>
+              <a:rPr lang="en-US" sz="1600" dirty="0">
+                <a:latin typeface="Courier New" panose="02070309020205020404" pitchFamily="49" charset="0"/>
+                <a:cs typeface="Courier New" panose="02070309020205020404" pitchFamily="49" charset="0"/>
+              </a:rPr>
               <a:t>found = Index( </a:t>
             </a:r>
             <a:r>
-              <a:rPr lang="en-US" sz="1600" dirty="0" err="1"/>
+              <a:rPr lang="en-US" sz="1600" dirty="0" err="1">
+                <a:latin typeface="Courier New" panose="02070309020205020404" pitchFamily="49" charset="0"/>
+                <a:cs typeface="Courier New" panose="02070309020205020404" pitchFamily="49" charset="0"/>
+              </a:rPr>
               <a:t>keyVals</a:t>
             </a:r>
             <a:r>
-              <a:rPr lang="en-US" sz="1600" dirty="0"/>
+              <a:rPr lang="en-US" sz="1600" dirty="0">
+                <a:latin typeface="Courier New" panose="02070309020205020404" pitchFamily="49" charset="0"/>
+                <a:cs typeface="Courier New" panose="02070309020205020404" pitchFamily="49" charset="0"/>
+              </a:rPr>
               <a:t> );</a:t>
             </a:r>
           </a:p>
@@ -10915,15 +11253,24 @@
               <a:buNone/>
             </a:pPr>
             <a:r>
-              <a:rPr lang="en-US" sz="1600" dirty="0"/>
+              <a:rPr lang="en-US" sz="1600" dirty="0">
+                <a:latin typeface="Courier New" panose="02070309020205020404" pitchFamily="49" charset="0"/>
+                <a:cs typeface="Courier New" panose="02070309020205020404" pitchFamily="49" charset="0"/>
+              </a:rPr>
               <a:t>	</a:t>
             </a:r>
             <a:r>
-              <a:rPr lang="en-US" sz="1600" dirty="0" smtClean="0"/>
+              <a:rPr lang="en-US" sz="1600" dirty="0" smtClean="0">
+                <a:latin typeface="Courier New" panose="02070309020205020404" pitchFamily="49" charset="0"/>
+                <a:cs typeface="Courier New" panose="02070309020205020404" pitchFamily="49" charset="0"/>
+              </a:rPr>
               <a:t>if </a:t>
             </a:r>
             <a:r>
-              <a:rPr lang="en-US" sz="1600" dirty="0"/>
+              <a:rPr lang="en-US" sz="1600" dirty="0">
+                <a:latin typeface="Courier New" panose="02070309020205020404" pitchFamily="49" charset="0"/>
+                <a:cs typeface="Courier New" panose="02070309020205020404" pitchFamily="49" charset="0"/>
+              </a:rPr>
               <a:t>( -1 != found ) {</a:t>
             </a:r>
           </a:p>
@@ -10932,15 +11279,24 @@
               <a:buNone/>
             </a:pPr>
             <a:r>
-              <a:rPr lang="en-US" sz="1600" dirty="0"/>
+              <a:rPr lang="en-US" sz="1600" dirty="0">
+                <a:latin typeface="Courier New" panose="02070309020205020404" pitchFamily="49" charset="0"/>
+                <a:cs typeface="Courier New" panose="02070309020205020404" pitchFamily="49" charset="0"/>
+              </a:rPr>
               <a:t>	</a:t>
             </a:r>
             <a:r>
-              <a:rPr lang="en-US" sz="1600" dirty="0" smtClean="0"/>
+              <a:rPr lang="en-US" sz="1600" dirty="0" smtClean="0">
+                <a:latin typeface="Courier New" panose="02070309020205020404" pitchFamily="49" charset="0"/>
+                <a:cs typeface="Courier New" panose="02070309020205020404" pitchFamily="49" charset="0"/>
+              </a:rPr>
               <a:t>	// </a:t>
             </a:r>
             <a:r>
-              <a:rPr lang="en-US" sz="1600" dirty="0"/>
+              <a:rPr lang="en-US" sz="1600" dirty="0">
+                <a:latin typeface="Courier New" panose="02070309020205020404" pitchFamily="49" charset="0"/>
+                <a:cs typeface="Courier New" panose="02070309020205020404" pitchFamily="49" charset="0"/>
+              </a:rPr>
               <a:t>move to location in storage of found entry</a:t>
             </a:r>
           </a:p>
@@ -10949,15 +11305,24 @@
               <a:buNone/>
             </a:pPr>
             <a:r>
-              <a:rPr lang="en-US" sz="1600" dirty="0"/>
+              <a:rPr lang="en-US" sz="1600" dirty="0">
+                <a:latin typeface="Courier New" panose="02070309020205020404" pitchFamily="49" charset="0"/>
+                <a:cs typeface="Courier New" panose="02070309020205020404" pitchFamily="49" charset="0"/>
+              </a:rPr>
               <a:t>		</a:t>
             </a:r>
             <a:r>
-              <a:rPr lang="en-US" sz="1600" dirty="0" smtClean="0"/>
+              <a:rPr lang="en-US" sz="1600" dirty="0" smtClean="0">
+                <a:latin typeface="Courier New" panose="02070309020205020404" pitchFamily="49" charset="0"/>
+                <a:cs typeface="Courier New" panose="02070309020205020404" pitchFamily="49" charset="0"/>
+              </a:rPr>
               <a:t>Move</a:t>
             </a:r>
             <a:r>
-              <a:rPr lang="en-US" sz="1600" dirty="0"/>
+              <a:rPr lang="en-US" sz="1600" dirty="0">
+                <a:latin typeface="Courier New" panose="02070309020205020404" pitchFamily="49" charset="0"/>
+                <a:cs typeface="Courier New" panose="02070309020205020404" pitchFamily="49" charset="0"/>
+              </a:rPr>
               <a:t>( found );</a:t>
             </a:r>
           </a:p>
@@ -10966,7 +11331,10 @@
               <a:buNone/>
             </a:pPr>
             <a:r>
-              <a:rPr lang="en-US" sz="1600" dirty="0"/>
+              <a:rPr lang="en-US" sz="1600" dirty="0">
+                <a:latin typeface="Courier New" panose="02070309020205020404" pitchFamily="49" charset="0"/>
+                <a:cs typeface="Courier New" panose="02070309020205020404" pitchFamily="49" charset="0"/>
+              </a:rPr>
               <a:t>			</a:t>
             </a:r>
           </a:p>
@@ -10975,15 +11343,24 @@
               <a:buNone/>
             </a:pPr>
             <a:r>
-              <a:rPr lang="en-US" sz="1600" dirty="0"/>
+              <a:rPr lang="en-US" sz="1600" dirty="0">
+                <a:latin typeface="Courier New" panose="02070309020205020404" pitchFamily="49" charset="0"/>
+                <a:cs typeface="Courier New" panose="02070309020205020404" pitchFamily="49" charset="0"/>
+              </a:rPr>
               <a:t>		</a:t>
             </a:r>
             <a:r>
-              <a:rPr lang="en-US" sz="1600" dirty="0" smtClean="0"/>
+              <a:rPr lang="en-US" sz="1600" dirty="0" smtClean="0">
+                <a:latin typeface="Courier New" panose="02070309020205020404" pitchFamily="49" charset="0"/>
+                <a:cs typeface="Courier New" panose="02070309020205020404" pitchFamily="49" charset="0"/>
+              </a:rPr>
               <a:t>// </a:t>
             </a:r>
             <a:r>
-              <a:rPr lang="en-US" sz="1600" dirty="0"/>
+              <a:rPr lang="en-US" sz="1600" dirty="0">
+                <a:latin typeface="Courier New" panose="02070309020205020404" pitchFamily="49" charset="0"/>
+                <a:cs typeface="Courier New" panose="02070309020205020404" pitchFamily="49" charset="0"/>
+              </a:rPr>
               <a:t>remove it (mark as dirty)</a:t>
             </a:r>
           </a:p>
@@ -10992,15 +11369,24 @@
               <a:buNone/>
             </a:pPr>
             <a:r>
-              <a:rPr lang="en-US" sz="1600" dirty="0"/>
+              <a:rPr lang="en-US" sz="1600" dirty="0">
+                <a:latin typeface="Courier New" panose="02070309020205020404" pitchFamily="49" charset="0"/>
+                <a:cs typeface="Courier New" panose="02070309020205020404" pitchFamily="49" charset="0"/>
+              </a:rPr>
               <a:t>		</a:t>
             </a:r>
             <a:r>
-              <a:rPr lang="en-US" sz="1600" dirty="0" smtClean="0"/>
+              <a:rPr lang="en-US" sz="1600" dirty="0" smtClean="0">
+                <a:latin typeface="Courier New" panose="02070309020205020404" pitchFamily="49" charset="0"/>
+                <a:cs typeface="Courier New" panose="02070309020205020404" pitchFamily="49" charset="0"/>
+              </a:rPr>
               <a:t>Write</a:t>
             </a:r>
             <a:r>
-              <a:rPr lang="en-US" sz="1600" dirty="0"/>
+              <a:rPr lang="en-US" sz="1600" dirty="0">
+                <a:latin typeface="Courier New" panose="02070309020205020404" pitchFamily="49" charset="0"/>
+                <a:cs typeface="Courier New" panose="02070309020205020404" pitchFamily="49" charset="0"/>
+              </a:rPr>
               <a:t>( (byte) 0x00 );</a:t>
             </a:r>
           </a:p>
@@ -11008,26 +11394,41 @@
             <a:pPr marL="0" indent="0">
               <a:buNone/>
             </a:pPr>
-            <a:endParaRPr lang="en-US" sz="1600" dirty="0"/>
+            <a:endParaRPr lang="en-US" sz="1600" dirty="0">
+              <a:latin typeface="Courier New" panose="02070309020205020404" pitchFamily="49" charset="0"/>
+              <a:cs typeface="Courier New" panose="02070309020205020404" pitchFamily="49" charset="0"/>
+            </a:endParaRPr>
           </a:p>
           <a:p>
             <a:pPr marL="0" indent="0">
               <a:buNone/>
             </a:pPr>
             <a:r>
-              <a:rPr lang="en-US" sz="1600" dirty="0"/>
+              <a:rPr lang="en-US" sz="1600" dirty="0">
+                <a:latin typeface="Courier New" panose="02070309020205020404" pitchFamily="49" charset="0"/>
+                <a:cs typeface="Courier New" panose="02070309020205020404" pitchFamily="49" charset="0"/>
+              </a:rPr>
               <a:t>		</a:t>
             </a:r>
             <a:r>
-              <a:rPr lang="en-US" sz="1600" dirty="0" smtClean="0"/>
+              <a:rPr lang="en-US" sz="1600" dirty="0" smtClean="0">
+                <a:latin typeface="Courier New" panose="02070309020205020404" pitchFamily="49" charset="0"/>
+                <a:cs typeface="Courier New" panose="02070309020205020404" pitchFamily="49" charset="0"/>
+              </a:rPr>
               <a:t>// </a:t>
             </a:r>
             <a:r>
-              <a:rPr lang="en-US" sz="1600" dirty="0" err="1"/>
+              <a:rPr lang="en-US" sz="1600" dirty="0" err="1">
+                <a:latin typeface="Courier New" panose="02070309020205020404" pitchFamily="49" charset="0"/>
+                <a:cs typeface="Courier New" panose="02070309020205020404" pitchFamily="49" charset="0"/>
+              </a:rPr>
               <a:t>Goto</a:t>
             </a:r>
             <a:r>
-              <a:rPr lang="en-US" sz="1600" dirty="0"/>
+              <a:rPr lang="en-US" sz="1600" dirty="0">
+                <a:latin typeface="Courier New" panose="02070309020205020404" pitchFamily="49" charset="0"/>
+                <a:cs typeface="Courier New" panose="02070309020205020404" pitchFamily="49" charset="0"/>
+              </a:rPr>
               <a:t> end of storage to add updated entry</a:t>
             </a:r>
           </a:p>
@@ -11036,19 +11437,25 @@
               <a:buNone/>
             </a:pPr>
             <a:r>
-              <a:rPr lang="en-US" sz="1600" dirty="0"/>
+              <a:rPr lang="en-US" sz="1600" dirty="0">
+                <a:latin typeface="Courier New" panose="02070309020205020404" pitchFamily="49" charset="0"/>
+                <a:cs typeface="Courier New" panose="02070309020205020404" pitchFamily="49" charset="0"/>
+              </a:rPr>
               <a:t>		</a:t>
             </a:r>
             <a:r>
-              <a:rPr lang="en-US" sz="1600" dirty="0" smtClean="0"/>
-              <a:t>End();</a:t>
-            </a:r>
-            <a:br>
-              <a:rPr lang="en-US" sz="1600" dirty="0" smtClean="0"/>
-            </a:br>
-            <a:r>
-              <a:rPr lang="en-US" sz="1600" dirty="0" smtClean="0"/>
-              <a:t>	} </a:t>
+              <a:rPr lang="en-US" sz="1600" dirty="0" smtClean="0">
+                <a:latin typeface="Courier New" panose="02070309020205020404" pitchFamily="49" charset="0"/>
+                <a:cs typeface="Courier New" panose="02070309020205020404" pitchFamily="49" charset="0"/>
+              </a:rPr>
+              <a:t>End</a:t>
+            </a:r>
+            <a:r>
+              <a:rPr lang="en-US" sz="1600" dirty="0" smtClean="0">
+                <a:latin typeface="Courier New" panose="02070309020205020404" pitchFamily="49" charset="0"/>
+                <a:cs typeface="Courier New" panose="02070309020205020404" pitchFamily="49" charset="0"/>
+              </a:rPr>
+              <a:t>();</a:t>
             </a:r>
             <a:r>
               <a:rPr lang="en-US" dirty="0"/>
